--- a/DonPipposMacarroni/Decorator.pptx
+++ b/DonPipposMacarroni/Decorator.pptx
@@ -16,24 +16,24 @@
     <p:sldId id="259" r:id="rId7"/>
     <p:sldId id="260" r:id="rId8"/>
     <p:sldId id="261" r:id="rId9"/>
-    <p:sldId id="262" r:id="rId10"/>
-    <p:sldId id="263" r:id="rId11"/>
-    <p:sldId id="266" r:id="rId12"/>
-    <p:sldId id="267" r:id="rId13"/>
-    <p:sldId id="268" r:id="rId14"/>
-    <p:sldId id="269" r:id="rId15"/>
-    <p:sldId id="270" r:id="rId16"/>
-    <p:sldId id="271" r:id="rId17"/>
-    <p:sldId id="272" r:id="rId18"/>
-    <p:sldId id="273" r:id="rId19"/>
-    <p:sldId id="274" r:id="rId20"/>
-    <p:sldId id="275" r:id="rId21"/>
+    <p:sldId id="275" r:id="rId10"/>
+    <p:sldId id="262" r:id="rId11"/>
+    <p:sldId id="263" r:id="rId12"/>
+    <p:sldId id="266" r:id="rId13"/>
+    <p:sldId id="267" r:id="rId14"/>
+    <p:sldId id="268" r:id="rId15"/>
+    <p:sldId id="269" r:id="rId16"/>
+    <p:sldId id="270" r:id="rId17"/>
+    <p:sldId id="271" r:id="rId18"/>
+    <p:sldId id="272" r:id="rId19"/>
+    <p:sldId id="273" r:id="rId20"/>
+    <p:sldId id="274" r:id="rId21"/>
   </p:sldIdLst>
   <p:sldSz cx="9144000" cy="5143500" type="screen16x9"/>
   <p:notesSz cx="6858000" cy="9144000"/>
   <p:embeddedFontLst>
     <p:embeddedFont>
-      <p:font typeface="Roboto" panose="020B0604020202020204" charset="0"/>
+      <p:font typeface="Roboto" panose="02000000000000000000" pitchFamily="2" charset="0"/>
       <p:regular r:id="rId23"/>
       <p:bold r:id="rId24"/>
       <p:italic r:id="rId25"/>
@@ -269,6 +269,11 @@
       </a:defRPr>
     </a:lvl9pPr>
   </p:defaultTextStyle>
+  <p:extLst>
+    <p:ext uri="{EFAFB233-063F-42B5-8137-9DF3F51BA10A}">
+      <p15:sldGuideLst xmlns:p15="http://schemas.microsoft.com/office/powerpoint/2012/main"/>
+    </p:ext>
+  </p:extLst>
 </p:presentation>
 </file>
 
@@ -1675,7 +1680,7 @@
             </a:pPr>
             <a:fld id="{00000000-1234-1234-1234-123412341234}" type="slidenum">
               <a:rPr lang="pt-BR"/>
-              <a:t>‹nº›</a:t>
+              <a:t>‹#›</a:t>
             </a:fld>
             <a:endParaRPr/>
           </a:p>
@@ -2089,7 +2094,7 @@
             </a:pPr>
             <a:fld id="{00000000-1234-1234-1234-123412341234}" type="slidenum">
               <a:rPr lang="pt-BR"/>
-              <a:t>‹nº›</a:t>
+              <a:t>‹#›</a:t>
             </a:fld>
             <a:endParaRPr/>
           </a:p>
@@ -2193,7 +2198,7 @@
             </a:pPr>
             <a:fld id="{00000000-1234-1234-1234-123412341234}" type="slidenum">
               <a:rPr lang="pt-BR"/>
-              <a:t>‹nº›</a:t>
+              <a:t>‹#›</a:t>
             </a:fld>
             <a:endParaRPr/>
           </a:p>
@@ -2484,7 +2489,7 @@
             </a:pPr>
             <a:fld id="{00000000-1234-1234-1234-123412341234}" type="slidenum">
               <a:rPr lang="pt-BR"/>
-              <a:t>‹nº›</a:t>
+              <a:t>‹#›</a:t>
             </a:fld>
             <a:endParaRPr/>
           </a:p>
@@ -2956,7 +2961,7 @@
             </a:pPr>
             <a:fld id="{00000000-1234-1234-1234-123412341234}" type="slidenum">
               <a:rPr lang="pt-BR"/>
-              <a:t>‹nº›</a:t>
+              <a:t>‹#›</a:t>
             </a:fld>
             <a:endParaRPr/>
           </a:p>
@@ -3495,7 +3500,7 @@
             </a:pPr>
             <a:fld id="{00000000-1234-1234-1234-123412341234}" type="slidenum">
               <a:rPr lang="pt-BR"/>
-              <a:t>‹nº›</a:t>
+              <a:t>‹#›</a:t>
             </a:fld>
             <a:endParaRPr/>
           </a:p>
@@ -3726,7 +3731,7 @@
             </a:pPr>
             <a:fld id="{00000000-1234-1234-1234-123412341234}" type="slidenum">
               <a:rPr lang="pt-BR"/>
-              <a:t>‹nº›</a:t>
+              <a:t>‹#›</a:t>
             </a:fld>
             <a:endParaRPr/>
           </a:p>
@@ -4138,7 +4143,7 @@
             </a:pPr>
             <a:fld id="{00000000-1234-1234-1234-123412341234}" type="slidenum">
               <a:rPr lang="pt-BR"/>
-              <a:t>‹nº›</a:t>
+              <a:t>‹#›</a:t>
             </a:fld>
             <a:endParaRPr/>
           </a:p>
@@ -4369,7 +4374,7 @@
             </a:pPr>
             <a:fld id="{00000000-1234-1234-1234-123412341234}" type="slidenum">
               <a:rPr lang="pt-BR"/>
-              <a:t>‹nº›</a:t>
+              <a:t>‹#›</a:t>
             </a:fld>
             <a:endParaRPr/>
           </a:p>
@@ -4921,7 +4926,7 @@
             </a:pPr>
             <a:fld id="{00000000-1234-1234-1234-123412341234}" type="slidenum">
               <a:rPr lang="pt-BR"/>
-              <a:t>‹nº›</a:t>
+              <a:t>‹#›</a:t>
             </a:fld>
             <a:endParaRPr/>
           </a:p>
@@ -5067,7 +5072,7 @@
             </a:pPr>
             <a:fld id="{00000000-1234-1234-1234-123412341234}" type="slidenum">
               <a:rPr lang="pt-BR"/>
-              <a:t>‹nº›</a:t>
+              <a:t>‹#›</a:t>
             </a:fld>
             <a:endParaRPr/>
           </a:p>
@@ -5634,7 +5639,7 @@
             </a:pPr>
             <a:fld id="{00000000-1234-1234-1234-123412341234}" type="slidenum">
               <a:rPr lang="pt-BR"/>
-              <a:t>‹nº›</a:t>
+              <a:t>‹#›</a:t>
             </a:fld>
             <a:endParaRPr/>
           </a:p>
@@ -6401,7 +6406,7 @@
               <a:buNone/>
             </a:pPr>
             <a:r>
-              <a:rPr lang="pt-BR" dirty="0" smtClean="0"/>
+              <a:rPr lang="pt-BR" dirty="0"/>
               <a:t>Padrões de Projeto:</a:t>
             </a:r>
           </a:p>
@@ -6416,7 +6421,7 @@
               <a:buNone/>
             </a:pPr>
             <a:r>
-              <a:rPr lang="pt-BR" dirty="0" err="1" smtClean="0"/>
+              <a:rPr lang="pt-BR" dirty="0" err="1"/>
               <a:t>Decorator</a:t>
             </a:r>
             <a:endParaRPr dirty="0"/>
@@ -6463,7 +6468,10 @@
           <a:bodyPr/>
           <a:lstStyle/>
           <a:p>
-            <a:endParaRPr lang="pt-BR" dirty="0"/>
+            <a:r>
+              <a:rPr lang="pt-BR" dirty="0"/>
+              <a:t>Exemplos</a:t>
+            </a:r>
           </a:p>
         </p:txBody>
       </p:sp>
@@ -6482,14 +6490,108 @@
           <a:bodyPr/>
           <a:lstStyle/>
           <a:p>
+            <a:r>
+              <a:rPr lang="pt-BR" dirty="0"/>
+              <a:t>Uma classe abstrata “Prato” genérica que serve como base às outras classes:</a:t>
+            </a:r>
+          </a:p>
+        </p:txBody>
+      </p:sp>
+      <p:pic>
+        <p:nvPicPr>
+          <p:cNvPr id="6" name="Imagem 5"/>
+          <p:cNvPicPr>
+            <a:picLocks noChangeAspect="1"/>
+          </p:cNvPicPr>
+          <p:nvPr/>
+        </p:nvPicPr>
+        <p:blipFill>
+          <a:blip r:embed="rId2"/>
+          <a:stretch>
+            <a:fillRect/>
+          </a:stretch>
+        </p:blipFill>
+        <p:spPr>
+          <a:xfrm>
+            <a:off x="1032800" y="2257425"/>
+            <a:ext cx="6267450" cy="2438400"/>
+          </a:xfrm>
+          <a:prstGeom prst="rect">
+            <a:avLst/>
+          </a:prstGeom>
+        </p:spPr>
+      </p:pic>
+    </p:spTree>
+    <p:extLst>
+      <p:ext uri="{BB962C8B-B14F-4D97-AF65-F5344CB8AC3E}">
+        <p14:creationId xmlns:p14="http://schemas.microsoft.com/office/powerpoint/2010/main" val="1768394532"/>
+      </p:ext>
+    </p:extLst>
+  </p:cSld>
+  <p:clrMapOvr>
+    <a:masterClrMapping/>
+  </p:clrMapOvr>
+</p:sld>
+</file>
+
+<file path=ppt/slides/slide11.xml><?xml version="1.0" encoding="utf-8"?>
+<p:sld xmlns:a="http://schemas.openxmlformats.org/drawingml/2006/main" xmlns:r="http://schemas.openxmlformats.org/officeDocument/2006/relationships" xmlns:p="http://schemas.openxmlformats.org/presentationml/2006/main">
+  <p:cSld>
+    <p:spTree>
+      <p:nvGrpSpPr>
+        <p:cNvPr id="1" name=""/>
+        <p:cNvGrpSpPr/>
+        <p:nvPr/>
+      </p:nvGrpSpPr>
+      <p:grpSpPr>
+        <a:xfrm>
+          <a:off x="0" y="0"/>
+          <a:ext cx="0" cy="0"/>
+          <a:chOff x="0" y="0"/>
+          <a:chExt cx="0" cy="0"/>
+        </a:xfrm>
+      </p:grpSpPr>
+      <p:sp>
+        <p:nvSpPr>
+          <p:cNvPr id="2" name="Título 1"/>
+          <p:cNvSpPr>
+            <a:spLocks noGrp="1"/>
+          </p:cNvSpPr>
+          <p:nvPr>
+            <p:ph type="title"/>
+          </p:nvPr>
+        </p:nvSpPr>
+        <p:spPr/>
+        <p:txBody>
+          <a:bodyPr/>
+          <a:lstStyle/>
+          <a:p>
+            <a:endParaRPr lang="pt-BR" dirty="0"/>
+          </a:p>
+        </p:txBody>
+      </p:sp>
+      <p:sp>
+        <p:nvSpPr>
+          <p:cNvPr id="3" name="Espaço Reservado para Texto 2"/>
+          <p:cNvSpPr>
+            <a:spLocks noGrp="1"/>
+          </p:cNvSpPr>
+          <p:nvPr>
+            <p:ph type="body" idx="1"/>
+          </p:nvPr>
+        </p:nvSpPr>
+        <p:spPr/>
+        <p:txBody>
+          <a:bodyPr/>
+          <a:lstStyle/>
+          <a:p>
             <a:pPr marL="114300" indent="0">
               <a:buNone/>
             </a:pPr>
             <a:r>
-              <a:rPr lang="pt-BR" dirty="0" smtClean="0"/>
+              <a:rPr lang="pt-BR" dirty="0"/>
               <a:t>Todos os objetos possuem o tipo “Prato”, definindo o que todos os objetos possuem, por exemplo:</a:t>
             </a:r>
-            <a:endParaRPr lang="pt-BR" dirty="0"/>
           </a:p>
         </p:txBody>
       </p:sp>
@@ -6527,17 +6629,10 @@
   <p:clrMapOvr>
     <a:masterClrMapping/>
   </p:clrMapOvr>
-  <p:timing>
-    <p:tnLst>
-      <p:par>
-        <p:cTn id="1" dur="indefinite" restart="never" nodeType="tmRoot"/>
-      </p:par>
-    </p:tnLst>
-  </p:timing>
 </p:sld>
 </file>
 
-<file path=ppt/slides/slide11.xml><?xml version="1.0" encoding="utf-8"?>
+<file path=ppt/slides/slide12.xml><?xml version="1.0" encoding="utf-8"?>
 <p:sld xmlns:a="http://schemas.openxmlformats.org/drawingml/2006/main" xmlns:r="http://schemas.openxmlformats.org/officeDocument/2006/relationships" xmlns:p="http://schemas.openxmlformats.org/presentationml/2006/main">
   <p:cSld>
     <p:spTree>
@@ -6589,18 +6684,17 @@
           <a:lstStyle/>
           <a:p>
             <a:r>
-              <a:rPr lang="pt-BR" dirty="0" smtClean="0"/>
+              <a:rPr lang="pt-BR" dirty="0"/>
               <a:t>Todas as classes de Pratos diferentes possuirão a mesma estrutura, apenas irão definir seus atributos. A classe </a:t>
             </a:r>
             <a:r>
-              <a:rPr lang="pt-BR" dirty="0" err="1" smtClean="0"/>
+              <a:rPr lang="pt-BR" dirty="0" err="1"/>
               <a:t>Decorator</a:t>
             </a:r>
             <a:r>
-              <a:rPr lang="pt-BR" dirty="0" smtClean="0"/>
+              <a:rPr lang="pt-BR" dirty="0"/>
               <a:t> que é abstrata, define que todos os decoradores devem ter um objeto “Prato”, que decoram, e um método que é aplicado ao objeto.</a:t>
             </a:r>
-            <a:endParaRPr lang="pt-BR" dirty="0"/>
           </a:p>
         </p:txBody>
       </p:sp>
@@ -6614,17 +6708,10 @@
   <p:clrMapOvr>
     <a:masterClrMapping/>
   </p:clrMapOvr>
-  <p:timing>
-    <p:tnLst>
-      <p:par>
-        <p:cTn id="1" dur="indefinite" restart="never" nodeType="tmRoot"/>
-      </p:par>
-    </p:tnLst>
-  </p:timing>
 </p:sld>
 </file>
 
-<file path=ppt/slides/slide12.xml><?xml version="1.0" encoding="utf-8"?>
+<file path=ppt/slides/slide13.xml><?xml version="1.0" encoding="utf-8"?>
 <p:sld xmlns:a="http://schemas.openxmlformats.org/drawingml/2006/main" xmlns:r="http://schemas.openxmlformats.org/officeDocument/2006/relationships" xmlns:p="http://schemas.openxmlformats.org/presentationml/2006/main">
   <p:cSld>
     <p:spTree>
@@ -6716,104 +6803,6 @@
   <p:clrMapOvr>
     <a:masterClrMapping/>
   </p:clrMapOvr>
-  <p:timing>
-    <p:tnLst>
-      <p:par>
-        <p:cTn id="1" dur="indefinite" restart="never" nodeType="tmRoot"/>
-      </p:par>
-    </p:tnLst>
-  </p:timing>
-</p:sld>
-</file>
-
-<file path=ppt/slides/slide13.xml><?xml version="1.0" encoding="utf-8"?>
-<p:sld xmlns:a="http://schemas.openxmlformats.org/drawingml/2006/main" xmlns:r="http://schemas.openxmlformats.org/officeDocument/2006/relationships" xmlns:p="http://schemas.openxmlformats.org/presentationml/2006/main">
-  <p:cSld>
-    <p:spTree>
-      <p:nvGrpSpPr>
-        <p:cNvPr id="1" name=""/>
-        <p:cNvGrpSpPr/>
-        <p:nvPr/>
-      </p:nvGrpSpPr>
-      <p:grpSpPr>
-        <a:xfrm>
-          <a:off x="0" y="0"/>
-          <a:ext cx="0" cy="0"/>
-          <a:chOff x="0" y="0"/>
-          <a:chExt cx="0" cy="0"/>
-        </a:xfrm>
-      </p:grpSpPr>
-      <p:sp>
-        <p:nvSpPr>
-          <p:cNvPr id="2" name="Título 1"/>
-          <p:cNvSpPr>
-            <a:spLocks noGrp="1"/>
-          </p:cNvSpPr>
-          <p:nvPr>
-            <p:ph type="title"/>
-          </p:nvPr>
-        </p:nvSpPr>
-        <p:spPr/>
-        <p:txBody>
-          <a:bodyPr/>
-          <a:lstStyle/>
-          <a:p>
-            <a:endParaRPr lang="pt-BR"/>
-          </a:p>
-        </p:txBody>
-      </p:sp>
-      <p:sp>
-        <p:nvSpPr>
-          <p:cNvPr id="3" name="Espaço Reservado para Texto 2"/>
-          <p:cNvSpPr>
-            <a:spLocks noGrp="1"/>
-          </p:cNvSpPr>
-          <p:nvPr>
-            <p:ph type="body" idx="1"/>
-          </p:nvPr>
-        </p:nvSpPr>
-        <p:spPr/>
-        <p:txBody>
-          <a:bodyPr/>
-          <a:lstStyle/>
-          <a:p>
-            <a:r>
-              <a:rPr lang="pt-BR" dirty="0" smtClean="0"/>
-              <a:t>Como um decorador também é um Prato, ele herda os atributos nome e preço. </a:t>
-            </a:r>
-          </a:p>
-          <a:p>
-            <a:r>
-              <a:rPr lang="pt-BR" dirty="0" smtClean="0"/>
-              <a:t>Nas classes concretas são definidos os modificadores que serão aplicados as classes de pratos.</a:t>
-            </a:r>
-          </a:p>
-          <a:p>
-            <a:r>
-              <a:rPr lang="pt-BR" dirty="0" smtClean="0"/>
-              <a:t>Por exemplo, aplicando isso em um ingrediente “Calabresa”</a:t>
-            </a:r>
-            <a:endParaRPr lang="pt-BR" dirty="0"/>
-          </a:p>
-        </p:txBody>
-      </p:sp>
-    </p:spTree>
-    <p:extLst>
-      <p:ext uri="{BB962C8B-B14F-4D97-AF65-F5344CB8AC3E}">
-        <p14:creationId xmlns:p14="http://schemas.microsoft.com/office/powerpoint/2010/main" val="652160607"/>
-      </p:ext>
-    </p:extLst>
-  </p:cSld>
-  <p:clrMapOvr>
-    <a:masterClrMapping/>
-  </p:clrMapOvr>
-  <p:timing>
-    <p:tnLst>
-      <p:par>
-        <p:cTn id="1" dur="indefinite" restart="never" nodeType="tmRoot"/>
-      </p:par>
-    </p:tnLst>
-  </p:timing>
 </p:sld>
 </file>
 
@@ -6868,54 +6857,35 @@
           <a:bodyPr/>
           <a:lstStyle/>
           <a:p>
-            <a:pPr marL="114300" indent="0">
-              <a:buNone/>
-            </a:pPr>
-            <a:endParaRPr lang="pt-BR" dirty="0"/>
+            <a:r>
+              <a:rPr lang="pt-BR" dirty="0"/>
+              <a:t>Como um decorador também é um Prato, ele herda os atributos nome e preço. </a:t>
+            </a:r>
+          </a:p>
+          <a:p>
+            <a:r>
+              <a:rPr lang="pt-BR" dirty="0"/>
+              <a:t>Nas classes concretas são definidos os modificadores que serão aplicados as classes de pratos.</a:t>
+            </a:r>
+          </a:p>
+          <a:p>
+            <a:r>
+              <a:rPr lang="pt-BR" dirty="0"/>
+              <a:t>Por exemplo, aplicando isso em um ingrediente “Calabresa”</a:t>
+            </a:r>
           </a:p>
         </p:txBody>
       </p:sp>
-      <p:pic>
-        <p:nvPicPr>
-          <p:cNvPr id="6" name="Imagem 5"/>
-          <p:cNvPicPr>
-            <a:picLocks noChangeAspect="1"/>
-          </p:cNvPicPr>
-          <p:nvPr/>
-        </p:nvPicPr>
-        <p:blipFill>
-          <a:blip r:embed="rId2"/>
-          <a:stretch>
-            <a:fillRect/>
-          </a:stretch>
-        </p:blipFill>
-        <p:spPr>
-          <a:xfrm>
-            <a:off x="1032800" y="1450950"/>
-            <a:ext cx="6353175" cy="2200275"/>
-          </a:xfrm>
-          <a:prstGeom prst="rect">
-            <a:avLst/>
-          </a:prstGeom>
-        </p:spPr>
-      </p:pic>
     </p:spTree>
     <p:extLst>
       <p:ext uri="{BB962C8B-B14F-4D97-AF65-F5344CB8AC3E}">
-        <p14:creationId xmlns:p14="http://schemas.microsoft.com/office/powerpoint/2010/main" val="1862997424"/>
+        <p14:creationId xmlns:p14="http://schemas.microsoft.com/office/powerpoint/2010/main" val="652160607"/>
       </p:ext>
     </p:extLst>
   </p:cSld>
   <p:clrMapOvr>
     <a:masterClrMapping/>
   </p:clrMapOvr>
-  <p:timing>
-    <p:tnLst>
-      <p:par>
-        <p:cTn id="1" dur="indefinite" restart="never" nodeType="tmRoot"/>
-      </p:par>
-    </p:tnLst>
-  </p:timing>
 </p:sld>
 </file>
 
@@ -6970,32 +6940,6 @@
           <a:bodyPr/>
           <a:lstStyle/>
           <a:p>
-            <a:r>
-              <a:rPr lang="pt-BR" dirty="0" smtClean="0"/>
-              <a:t>No construtor do decorador é preciso passar um objeto Prato qualquer, podendo ser tanto um ingrediente quanto outro decorador.</a:t>
-            </a:r>
-          </a:p>
-          <a:p>
-            <a:r>
-              <a:rPr lang="pt-BR" dirty="0" smtClean="0"/>
-              <a:t>Esse é um conceito fundamental do </a:t>
-            </a:r>
-            <a:r>
-              <a:rPr lang="pt-BR" dirty="0" err="1" smtClean="0"/>
-              <a:t>Decorator</a:t>
-            </a:r>
-            <a:r>
-              <a:rPr lang="pt-BR" dirty="0" smtClean="0"/>
-              <a:t>.</a:t>
-            </a:r>
-          </a:p>
-          <a:p>
-            <a:r>
-              <a:rPr lang="pt-BR" dirty="0" smtClean="0"/>
-              <a:t>Desta forma, se quisermos montar um prato com um tipo de macarrão e diversos ingredientes diferentes, teremos o seguinte resultado:</a:t>
-            </a:r>
-          </a:p>
-          <a:p>
             <a:pPr marL="114300" indent="0">
               <a:buNone/>
             </a:pPr>
@@ -7003,10 +6947,34 @@
           </a:p>
         </p:txBody>
       </p:sp>
+      <p:pic>
+        <p:nvPicPr>
+          <p:cNvPr id="6" name="Imagem 5"/>
+          <p:cNvPicPr>
+            <a:picLocks noChangeAspect="1"/>
+          </p:cNvPicPr>
+          <p:nvPr/>
+        </p:nvPicPr>
+        <p:blipFill>
+          <a:blip r:embed="rId2"/>
+          <a:stretch>
+            <a:fillRect/>
+          </a:stretch>
+        </p:blipFill>
+        <p:spPr>
+          <a:xfrm>
+            <a:off x="1032800" y="1450950"/>
+            <a:ext cx="6353175" cy="2200275"/>
+          </a:xfrm>
+          <a:prstGeom prst="rect">
+            <a:avLst/>
+          </a:prstGeom>
+        </p:spPr>
+      </p:pic>
     </p:spTree>
     <p:extLst>
       <p:ext uri="{BB962C8B-B14F-4D97-AF65-F5344CB8AC3E}">
-        <p14:creationId xmlns:p14="http://schemas.microsoft.com/office/powerpoint/2010/main" val="3057038523"/>
+        <p14:creationId xmlns:p14="http://schemas.microsoft.com/office/powerpoint/2010/main" val="1862997424"/>
       </p:ext>
     </p:extLst>
   </p:cSld>
@@ -7067,38 +7035,43 @@
           <a:bodyPr/>
           <a:lstStyle/>
           <a:p>
-            <a:endParaRPr lang="pt-BR"/>
+            <a:r>
+              <a:rPr lang="pt-BR" dirty="0"/>
+              <a:t>No construtor do decorador é preciso passar um objeto Prato qualquer, podendo ser tanto um ingrediente quanto outro decorador.</a:t>
+            </a:r>
+          </a:p>
+          <a:p>
+            <a:r>
+              <a:rPr lang="pt-BR" dirty="0"/>
+              <a:t>Esse é um conceito fundamental do </a:t>
+            </a:r>
+            <a:r>
+              <a:rPr lang="pt-BR" dirty="0" err="1"/>
+              <a:t>Decorator</a:t>
+            </a:r>
+            <a:r>
+              <a:rPr lang="pt-BR" dirty="0"/>
+              <a:t>.</a:t>
+            </a:r>
+          </a:p>
+          <a:p>
+            <a:r>
+              <a:rPr lang="pt-BR" dirty="0"/>
+              <a:t>Desta forma, se quisermos montar um prato com um tipo de macarrão e diversos ingredientes diferentes, teremos o seguinte resultado:</a:t>
+            </a:r>
+          </a:p>
+          <a:p>
+            <a:pPr marL="114300" indent="0">
+              <a:buNone/>
+            </a:pPr>
+            <a:endParaRPr lang="pt-BR" dirty="0"/>
           </a:p>
         </p:txBody>
       </p:sp>
-      <p:pic>
-        <p:nvPicPr>
-          <p:cNvPr id="4" name="Imagem 3"/>
-          <p:cNvPicPr>
-            <a:picLocks noChangeAspect="1"/>
-          </p:cNvPicPr>
-          <p:nvPr/>
-        </p:nvPicPr>
-        <p:blipFill>
-          <a:blip r:embed="rId2"/>
-          <a:stretch>
-            <a:fillRect/>
-          </a:stretch>
-        </p:blipFill>
-        <p:spPr>
-          <a:xfrm>
-            <a:off x="1032800" y="1450950"/>
-            <a:ext cx="6672925" cy="3414865"/>
-          </a:xfrm>
-          <a:prstGeom prst="rect">
-            <a:avLst/>
-          </a:prstGeom>
-        </p:spPr>
-      </p:pic>
     </p:spTree>
     <p:extLst>
       <p:ext uri="{BB962C8B-B14F-4D97-AF65-F5344CB8AC3E}">
-        <p14:creationId xmlns:p14="http://schemas.microsoft.com/office/powerpoint/2010/main" val="2853721642"/>
+        <p14:creationId xmlns:p14="http://schemas.microsoft.com/office/powerpoint/2010/main" val="3057038523"/>
       </p:ext>
     </p:extLst>
   </p:cSld>
@@ -7140,7 +7113,7 @@
           <a:bodyPr/>
           <a:lstStyle/>
           <a:p>
-            <a:endParaRPr lang="pt-BR" dirty="0"/>
+            <a:endParaRPr lang="pt-BR"/>
           </a:p>
         </p:txBody>
       </p:sp>
@@ -7159,67 +7132,38 @@
           <a:bodyPr/>
           <a:lstStyle/>
           <a:p>
-            <a:pPr marL="114300" indent="0">
-              <a:buNone/>
-            </a:pPr>
-            <a:r>
-              <a:rPr lang="pt-BR" dirty="0" smtClean="0"/>
-              <a:t>Note que, o prato final varia conforme o decorador que é aplicado. Quando os métodos </a:t>
-            </a:r>
-            <a:r>
-              <a:rPr lang="pt-BR" dirty="0" err="1" smtClean="0"/>
-              <a:t>getNome</a:t>
-            </a:r>
-            <a:r>
-              <a:rPr lang="pt-BR" dirty="0" smtClean="0"/>
-              <a:t>() e </a:t>
-            </a:r>
-            <a:r>
-              <a:rPr lang="pt-BR" dirty="0" err="1" smtClean="0"/>
-              <a:t>getPreco</a:t>
-            </a:r>
-            <a:r>
-              <a:rPr lang="pt-BR" dirty="0" smtClean="0"/>
-              <a:t>() são chamados, o primeiro método chamado é o método do último decorador a ser aplicado.</a:t>
-            </a:r>
-          </a:p>
-          <a:p>
-            <a:pPr marL="114300" indent="0">
-              <a:buNone/>
-            </a:pPr>
-            <a:endParaRPr lang="pt-BR" dirty="0"/>
-          </a:p>
-          <a:p>
-            <a:pPr marL="114300" indent="0">
-              <a:buNone/>
-            </a:pPr>
-            <a:r>
-              <a:rPr lang="pt-BR" dirty="0" smtClean="0"/>
-              <a:t>O decorador então chama a classe mãe e então chama o método do Prato ao qual ele está decorando.</a:t>
-            </a:r>
-          </a:p>
-          <a:p>
-            <a:pPr marL="114300" indent="0">
-              <a:buNone/>
-            </a:pPr>
-            <a:endParaRPr lang="pt-BR" dirty="0"/>
-          </a:p>
-          <a:p>
-            <a:pPr marL="114300" indent="0">
-              <a:buNone/>
-            </a:pPr>
-            <a:r>
-              <a:rPr lang="pt-BR" dirty="0" smtClean="0"/>
-              <a:t>Se fosse outro decorador, a solicitação percorre até chegar em um prato para responder a requisição, sem repassar a nenhum objeto.</a:t>
-            </a:r>
-            <a:endParaRPr lang="pt-BR" dirty="0"/>
+            <a:endParaRPr lang="pt-BR"/>
           </a:p>
         </p:txBody>
       </p:sp>
+      <p:pic>
+        <p:nvPicPr>
+          <p:cNvPr id="4" name="Imagem 3"/>
+          <p:cNvPicPr>
+            <a:picLocks noChangeAspect="1"/>
+          </p:cNvPicPr>
+          <p:nvPr/>
+        </p:nvPicPr>
+        <p:blipFill>
+          <a:blip r:embed="rId2"/>
+          <a:stretch>
+            <a:fillRect/>
+          </a:stretch>
+        </p:blipFill>
+        <p:spPr>
+          <a:xfrm>
+            <a:off x="1032800" y="1450950"/>
+            <a:ext cx="6672925" cy="3414865"/>
+          </a:xfrm>
+          <a:prstGeom prst="rect">
+            <a:avLst/>
+          </a:prstGeom>
+        </p:spPr>
+      </p:pic>
     </p:spTree>
     <p:extLst>
       <p:ext uri="{BB962C8B-B14F-4D97-AF65-F5344CB8AC3E}">
-        <p14:creationId xmlns:p14="http://schemas.microsoft.com/office/powerpoint/2010/main" val="2275917462"/>
+        <p14:creationId xmlns:p14="http://schemas.microsoft.com/office/powerpoint/2010/main" val="2853721642"/>
       </p:ext>
     </p:extLst>
   </p:cSld>
@@ -7261,6 +7205,126 @@
           <a:bodyPr/>
           <a:lstStyle/>
           <a:p>
+            <a:endParaRPr lang="pt-BR" dirty="0"/>
+          </a:p>
+        </p:txBody>
+      </p:sp>
+      <p:sp>
+        <p:nvSpPr>
+          <p:cNvPr id="3" name="Espaço Reservado para Texto 2"/>
+          <p:cNvSpPr>
+            <a:spLocks noGrp="1"/>
+          </p:cNvSpPr>
+          <p:nvPr>
+            <p:ph type="body" idx="1"/>
+          </p:nvPr>
+        </p:nvSpPr>
+        <p:spPr/>
+        <p:txBody>
+          <a:bodyPr/>
+          <a:lstStyle/>
+          <a:p>
+            <a:pPr marL="114300" indent="0">
+              <a:buNone/>
+            </a:pPr>
+            <a:r>
+              <a:rPr lang="pt-BR" dirty="0"/>
+              <a:t>Note que, o prato final varia conforme o decorador que é aplicado. Quando os métodos </a:t>
+            </a:r>
+            <a:r>
+              <a:rPr lang="pt-BR" dirty="0" err="1"/>
+              <a:t>getNome</a:t>
+            </a:r>
+            <a:r>
+              <a:rPr lang="pt-BR" dirty="0"/>
+              <a:t>() e </a:t>
+            </a:r>
+            <a:r>
+              <a:rPr lang="pt-BR" dirty="0" err="1"/>
+              <a:t>getPreco</a:t>
+            </a:r>
+            <a:r>
+              <a:rPr lang="pt-BR" dirty="0"/>
+              <a:t>() são chamados, o primeiro método chamado é o método do último decorador a ser aplicado.</a:t>
+            </a:r>
+          </a:p>
+          <a:p>
+            <a:pPr marL="114300" indent="0">
+              <a:buNone/>
+            </a:pPr>
+            <a:endParaRPr lang="pt-BR" dirty="0"/>
+          </a:p>
+          <a:p>
+            <a:pPr marL="114300" indent="0">
+              <a:buNone/>
+            </a:pPr>
+            <a:r>
+              <a:rPr lang="pt-BR" dirty="0"/>
+              <a:t>O decorador então chama a classe mãe e então chama o método do Prato ao qual ele está decorando.</a:t>
+            </a:r>
+          </a:p>
+          <a:p>
+            <a:pPr marL="114300" indent="0">
+              <a:buNone/>
+            </a:pPr>
+            <a:endParaRPr lang="pt-BR" dirty="0"/>
+          </a:p>
+          <a:p>
+            <a:pPr marL="114300" indent="0">
+              <a:buNone/>
+            </a:pPr>
+            <a:r>
+              <a:rPr lang="pt-BR" dirty="0"/>
+              <a:t>Se fosse outro decorador, a solicitação percorre até chegar em um prato para responder a requisição, sem repassar a nenhum objeto.</a:t>
+            </a:r>
+          </a:p>
+        </p:txBody>
+      </p:sp>
+    </p:spTree>
+    <p:extLst>
+      <p:ext uri="{BB962C8B-B14F-4D97-AF65-F5344CB8AC3E}">
+        <p14:creationId xmlns:p14="http://schemas.microsoft.com/office/powerpoint/2010/main" val="2275917462"/>
+      </p:ext>
+    </p:extLst>
+  </p:cSld>
+  <p:clrMapOvr>
+    <a:masterClrMapping/>
+  </p:clrMapOvr>
+</p:sld>
+</file>
+
+<file path=ppt/slides/slide19.xml><?xml version="1.0" encoding="utf-8"?>
+<p:sld xmlns:a="http://schemas.openxmlformats.org/drawingml/2006/main" xmlns:r="http://schemas.openxmlformats.org/officeDocument/2006/relationships" xmlns:p="http://schemas.openxmlformats.org/presentationml/2006/main">
+  <p:cSld>
+    <p:spTree>
+      <p:nvGrpSpPr>
+        <p:cNvPr id="1" name=""/>
+        <p:cNvGrpSpPr/>
+        <p:nvPr/>
+      </p:nvGrpSpPr>
+      <p:grpSpPr>
+        <a:xfrm>
+          <a:off x="0" y="0"/>
+          <a:ext cx="0" cy="0"/>
+          <a:chOff x="0" y="0"/>
+          <a:chExt cx="0" cy="0"/>
+        </a:xfrm>
+      </p:grpSpPr>
+      <p:sp>
+        <p:nvSpPr>
+          <p:cNvPr id="2" name="Título 1"/>
+          <p:cNvSpPr>
+            <a:spLocks noGrp="1"/>
+          </p:cNvSpPr>
+          <p:nvPr>
+            <p:ph type="title"/>
+          </p:nvPr>
+        </p:nvSpPr>
+        <p:spPr/>
+        <p:txBody>
+          <a:bodyPr/>
+          <a:lstStyle/>
+          <a:p>
             <a:endParaRPr lang="pt-BR"/>
           </a:p>
         </p:txBody>
@@ -7321,130 +7385,6 @@
   <p:clrMapOvr>
     <a:masterClrMapping/>
   </p:clrMapOvr>
-  <p:timing>
-    <p:tnLst>
-      <p:par>
-        <p:cTn id="1" dur="indefinite" restart="never" nodeType="tmRoot"/>
-      </p:par>
-    </p:tnLst>
-  </p:timing>
-</p:sld>
-</file>
-
-<file path=ppt/slides/slide19.xml><?xml version="1.0" encoding="utf-8"?>
-<p:sld xmlns:a="http://schemas.openxmlformats.org/drawingml/2006/main" xmlns:r="http://schemas.openxmlformats.org/officeDocument/2006/relationships" xmlns:p="http://schemas.openxmlformats.org/presentationml/2006/main">
-  <p:cSld>
-    <p:spTree>
-      <p:nvGrpSpPr>
-        <p:cNvPr id="1" name=""/>
-        <p:cNvGrpSpPr/>
-        <p:nvPr/>
-      </p:nvGrpSpPr>
-      <p:grpSpPr>
-        <a:xfrm>
-          <a:off x="0" y="0"/>
-          <a:ext cx="0" cy="0"/>
-          <a:chOff x="0" y="0"/>
-          <a:chExt cx="0" cy="0"/>
-        </a:xfrm>
-      </p:grpSpPr>
-      <p:sp>
-        <p:nvSpPr>
-          <p:cNvPr id="2" name="Título 1"/>
-          <p:cNvSpPr>
-            <a:spLocks noGrp="1"/>
-          </p:cNvSpPr>
-          <p:nvPr>
-            <p:ph type="title"/>
-          </p:nvPr>
-        </p:nvSpPr>
-        <p:spPr/>
-        <p:txBody>
-          <a:bodyPr/>
-          <a:lstStyle/>
-          <a:p>
-            <a:r>
-              <a:rPr lang="pt-BR" dirty="0" smtClean="0"/>
-              <a:t>Desvantagens</a:t>
-            </a:r>
-            <a:endParaRPr lang="pt-BR" dirty="0"/>
-          </a:p>
-        </p:txBody>
-      </p:sp>
-      <p:sp>
-        <p:nvSpPr>
-          <p:cNvPr id="3" name="Espaço Reservado para Texto 2"/>
-          <p:cNvSpPr>
-            <a:spLocks noGrp="1"/>
-          </p:cNvSpPr>
-          <p:nvPr>
-            <p:ph type="body" idx="1"/>
-          </p:nvPr>
-        </p:nvSpPr>
-        <p:spPr/>
-        <p:txBody>
-          <a:bodyPr/>
-          <a:lstStyle/>
-          <a:p>
-            <a:r>
-              <a:rPr lang="pt-BR" dirty="0" smtClean="0"/>
-              <a:t>Não é possível verificar se um objeto possui um decorador específico. </a:t>
-            </a:r>
-            <a:r>
-              <a:rPr lang="pt-BR" dirty="0" err="1" smtClean="0"/>
-              <a:t>Ex</a:t>
-            </a:r>
-            <a:r>
-              <a:rPr lang="pt-BR" dirty="0" smtClean="0"/>
-              <a:t>: se o Prato possui um decorador chamado Molho.</a:t>
-            </a:r>
-          </a:p>
-          <a:p>
-            <a:r>
-              <a:rPr lang="pt-BR" dirty="0" smtClean="0"/>
-              <a:t>Se um decorador “</a:t>
-            </a:r>
-            <a:r>
-              <a:rPr lang="pt-BR" dirty="0" err="1" smtClean="0"/>
-              <a:t>Mozzarela</a:t>
-            </a:r>
-            <a:r>
-              <a:rPr lang="pt-BR" dirty="0" smtClean="0"/>
-              <a:t>” implementa um método “derreter()”, não é possível afirmar que um prato qualquer também possua esse método.</a:t>
-            </a:r>
-          </a:p>
-          <a:p>
-            <a:r>
-              <a:rPr lang="pt-BR" dirty="0" smtClean="0"/>
-              <a:t>Não é possível verificar o tipo do objeto depois de aplicado um determinado decorador, pois este modifica o tipo do mesmo.</a:t>
-            </a:r>
-          </a:p>
-          <a:p>
-            <a:r>
-              <a:rPr lang="pt-BR" dirty="0" smtClean="0"/>
-              <a:t>É necessário criar um objeto para cada novo decorador.</a:t>
-            </a:r>
-            <a:endParaRPr lang="pt-BR" dirty="0"/>
-          </a:p>
-        </p:txBody>
-      </p:sp>
-    </p:spTree>
-    <p:extLst>
-      <p:ext uri="{BB962C8B-B14F-4D97-AF65-F5344CB8AC3E}">
-        <p14:creationId xmlns:p14="http://schemas.microsoft.com/office/powerpoint/2010/main" val="2778134219"/>
-      </p:ext>
-    </p:extLst>
-  </p:cSld>
-  <p:clrMapOvr>
-    <a:masterClrMapping/>
-  </p:clrMapOvr>
-  <p:timing>
-    <p:tnLst>
-      <p:par>
-        <p:cTn id="1" dur="indefinite" restart="never" nodeType="tmRoot"/>
-      </p:par>
-    </p:tnLst>
-  </p:timing>
 </p:sld>
 </file>
 
@@ -7542,11 +7482,11 @@
               <a:buNone/>
             </a:pPr>
             <a:r>
-              <a:rPr lang="pt-BR" sz="2000" dirty="0" smtClean="0"/>
+              <a:rPr lang="pt-BR" sz="2000" dirty="0"/>
               <a:t>Giovani </a:t>
             </a:r>
             <a:r>
-              <a:rPr lang="pt-BR" sz="2000" dirty="0" err="1" smtClean="0"/>
+              <a:rPr lang="pt-BR" sz="2000" dirty="0" err="1"/>
               <a:t>Paganini</a:t>
             </a:r>
             <a:endParaRPr lang="pt-BR" sz="2000" dirty="0"/>
@@ -7562,7 +7502,7 @@
               <a:buNone/>
             </a:pPr>
             <a:r>
-              <a:rPr lang="pt-BR" sz="2000" dirty="0" smtClean="0"/>
+              <a:rPr lang="pt-BR" sz="2000" dirty="0"/>
               <a:t>Lucas Rezende</a:t>
             </a:r>
             <a:endParaRPr sz="2000" dirty="0"/>
@@ -7610,10 +7550,9 @@
           <a:lstStyle/>
           <a:p>
             <a:r>
-              <a:rPr lang="pt-BR" dirty="0" smtClean="0"/>
-              <a:t>UML</a:t>
+              <a:rPr lang="pt-BR" dirty="0"/>
+              <a:t>Desvantagens</a:t>
             </a:r>
-            <a:endParaRPr lang="pt-BR" dirty="0"/>
           </a:p>
         </p:txBody>
       </p:sp>
@@ -7632,57 +7571,57 @@
           <a:bodyPr/>
           <a:lstStyle/>
           <a:p>
-            <a:endParaRPr lang="pt-BR"/>
+            <a:r>
+              <a:rPr lang="pt-BR" dirty="0"/>
+              <a:t>Não é possível verificar se um objeto possui um decorador específico. </a:t>
+            </a:r>
+            <a:r>
+              <a:rPr lang="pt-BR" dirty="0" err="1"/>
+              <a:t>Ex</a:t>
+            </a:r>
+            <a:r>
+              <a:rPr lang="pt-BR" dirty="0"/>
+              <a:t>: se o Prato possui um decorador chamado Molho.</a:t>
+            </a:r>
+          </a:p>
+          <a:p>
+            <a:r>
+              <a:rPr lang="pt-BR" dirty="0"/>
+              <a:t>Se um decorador “</a:t>
+            </a:r>
+            <a:r>
+              <a:rPr lang="pt-BR" dirty="0" err="1"/>
+              <a:t>Mozzarela</a:t>
+            </a:r>
+            <a:r>
+              <a:rPr lang="pt-BR" dirty="0"/>
+              <a:t>” implementa um método “derreter()”, não é possível afirmar que um prato qualquer também possua esse método.</a:t>
+            </a:r>
+          </a:p>
+          <a:p>
+            <a:r>
+              <a:rPr lang="pt-BR" dirty="0"/>
+              <a:t>Não é possível verificar o tipo do objeto depois de aplicado um determinado decorador, pois este modifica o tipo do mesmo.</a:t>
+            </a:r>
+          </a:p>
+          <a:p>
+            <a:r>
+              <a:rPr lang="pt-BR" dirty="0"/>
+              <a:t>É necessário criar um objeto para cada novo decorador.</a:t>
+            </a:r>
           </a:p>
         </p:txBody>
       </p:sp>
-      <p:pic>
-        <p:nvPicPr>
-          <p:cNvPr id="4" name="Imagem 3"/>
-          <p:cNvPicPr>
-            <a:picLocks noChangeAspect="1"/>
-          </p:cNvPicPr>
-          <p:nvPr/>
-        </p:nvPicPr>
-        <p:blipFill>
-          <a:blip r:embed="rId2">
-            <a:extLst>
-              <a:ext uri="{28A0092B-C50C-407E-A947-70E740481C1C}">
-                <a14:useLocalDpi xmlns:a14="http://schemas.microsoft.com/office/drawing/2010/main" val="0"/>
-              </a:ext>
-            </a:extLst>
-          </a:blip>
-          <a:stretch>
-            <a:fillRect/>
-          </a:stretch>
-        </p:blipFill>
-        <p:spPr>
-          <a:xfrm>
-            <a:off x="947738" y="1414994"/>
-            <a:ext cx="7248525" cy="3488311"/>
-          </a:xfrm>
-          <a:prstGeom prst="rect">
-            <a:avLst/>
-          </a:prstGeom>
-        </p:spPr>
-      </p:pic>
     </p:spTree>
     <p:extLst>
       <p:ext uri="{BB962C8B-B14F-4D97-AF65-F5344CB8AC3E}">
-        <p14:creationId xmlns:p14="http://schemas.microsoft.com/office/powerpoint/2010/main" val="2122288844"/>
+        <p14:creationId xmlns:p14="http://schemas.microsoft.com/office/powerpoint/2010/main" val="2778134219"/>
       </p:ext>
     </p:extLst>
   </p:cSld>
   <p:clrMapOvr>
     <a:masterClrMapping/>
   </p:clrMapOvr>
-  <p:timing>
-    <p:tnLst>
-      <p:par>
-        <p:cTn id="1" dur="indefinite" restart="never" nodeType="tmRoot"/>
-      </p:par>
-    </p:tnLst>
-  </p:timing>
 </p:sld>
 </file>
 
@@ -7719,7 +7658,7 @@
           <a:lstStyle/>
           <a:p>
             <a:r>
-              <a:rPr lang="pt-BR" dirty="0" err="1" smtClean="0"/>
+              <a:rPr lang="pt-BR" dirty="0" err="1"/>
               <a:t>Decorator</a:t>
             </a:r>
             <a:endParaRPr lang="pt-BR" dirty="0"/>
@@ -7745,22 +7684,17 @@
               <a:buNone/>
             </a:pPr>
             <a:r>
-              <a:rPr lang="pt-BR" sz="2400" dirty="0" smtClean="0"/>
+              <a:rPr lang="pt-BR" sz="2400" dirty="0"/>
               <a:t>O Padrão </a:t>
             </a:r>
             <a:r>
-              <a:rPr lang="pt-BR" sz="2400" dirty="0" err="1" smtClean="0"/>
+              <a:rPr lang="pt-BR" sz="2400" dirty="0" err="1"/>
               <a:t>Decorator</a:t>
             </a:r>
             <a:r>
               <a:rPr lang="pt-BR" sz="2400" dirty="0"/>
-              <a:t> </a:t>
+              <a:t> complementa com responsabilidades adicionais um objeto, fazendo com que os decoradores trabalhem como alternativas de subclasses estendendo funcionalidades. Isso evita o uso de uma vasta hierarquia de subclasses.</a:t>
             </a:r>
-            <a:r>
-              <a:rPr lang="pt-BR" sz="2400" dirty="0" smtClean="0"/>
-              <a:t>complementa com responsabilidades adicionais um objeto, fazendo com que os decoradores trabalhem como alternativas de subclasses estendendo funcionalidades. Isso evita o uso de uma vasta hierarquia de subclasses.</a:t>
-            </a:r>
-            <a:endParaRPr lang="pt-BR" sz="2400" dirty="0"/>
           </a:p>
         </p:txBody>
       </p:sp>
@@ -7810,10 +7744,9 @@
           <a:lstStyle/>
           <a:p>
             <a:r>
-              <a:rPr lang="pt-BR" dirty="0" smtClean="0"/>
+              <a:rPr lang="pt-BR" dirty="0"/>
               <a:t>Características</a:t>
             </a:r>
-            <a:endParaRPr lang="pt-BR" dirty="0"/>
           </a:p>
         </p:txBody>
       </p:sp>
@@ -7833,40 +7766,39 @@
           <a:lstStyle/>
           <a:p>
             <a:r>
-              <a:rPr lang="pt-BR" dirty="0" smtClean="0"/>
+              <a:rPr lang="pt-BR" dirty="0"/>
               <a:t>Adicionar funcionalidades a objetos em tempo de execução.</a:t>
             </a:r>
           </a:p>
           <a:p>
             <a:r>
-              <a:rPr lang="pt-BR" dirty="0" smtClean="0"/>
+              <a:rPr lang="pt-BR" dirty="0"/>
               <a:t>Possui flexibilidade e permite aplicar somente as funcionalidades necessárias a um determinado objeto, evitando sobrecarregar uma classe.</a:t>
             </a:r>
           </a:p>
           <a:p>
             <a:r>
-              <a:rPr lang="pt-BR" dirty="0" smtClean="0"/>
+              <a:rPr lang="pt-BR" dirty="0"/>
               <a:t>O decorador possui o mesmo supertipo que os objetos decorados.</a:t>
             </a:r>
           </a:p>
           <a:p>
             <a:r>
-              <a:rPr lang="pt-BR" dirty="0" smtClean="0"/>
+              <a:rPr lang="pt-BR" dirty="0"/>
               <a:t>É possível usar mais de um decorador para englobar um objeto.</a:t>
             </a:r>
           </a:p>
           <a:p>
             <a:r>
-              <a:rPr lang="pt-BR" dirty="0" smtClean="0"/>
+              <a:rPr lang="pt-BR" dirty="0"/>
               <a:t>É possível passar um objeto decorado no lugar do objeto original.</a:t>
             </a:r>
           </a:p>
           <a:p>
             <a:r>
-              <a:rPr lang="pt-BR" dirty="0" smtClean="0"/>
+              <a:rPr lang="pt-BR" dirty="0"/>
               <a:t>Adiciona seu próprio comportamento antes e/ou depois de delegar o objeto a atividade.</a:t>
             </a:r>
-            <a:endParaRPr lang="pt-BR" dirty="0"/>
           </a:p>
         </p:txBody>
       </p:sp>
@@ -7935,7 +7867,7 @@
               <a:buNone/>
             </a:pPr>
             <a:r>
-              <a:rPr lang="pt-BR" dirty="0" smtClean="0"/>
+              <a:rPr lang="pt-BR" dirty="0"/>
               <a:t>Problema:</a:t>
             </a:r>
             <a:endParaRPr dirty="0"/>
@@ -7976,7 +7908,7 @@
               </a:spcBef>
             </a:pPr>
             <a:r>
-              <a:rPr lang="pt-BR" dirty="0" smtClean="0"/>
+              <a:rPr lang="pt-BR" dirty="0"/>
               <a:t>Uma casa especializada em massas em que existem diversos tipos de macarrões e ingredientes. </a:t>
             </a:r>
           </a:p>
@@ -7990,7 +7922,7 @@
               </a:spcBef>
             </a:pPr>
             <a:r>
-              <a:rPr lang="pt-BR" dirty="0" smtClean="0"/>
+              <a:rPr lang="pt-BR" dirty="0"/>
               <a:t>Um prato é formado da combinação de um tipo de massa e de ingredientes que o complementam.</a:t>
             </a:r>
             <a:endParaRPr dirty="0"/>
@@ -8069,7 +8001,7 @@
               <a:buNone/>
             </a:pPr>
             <a:r>
-              <a:rPr lang="pt-BR" dirty="0" smtClean="0"/>
+              <a:rPr lang="pt-BR" dirty="0"/>
               <a:t>Macarrões:</a:t>
             </a:r>
             <a:endParaRPr dirty="0"/>
@@ -8115,11 +8047,11 @@
               <a:buChar char="●"/>
             </a:pPr>
             <a:r>
-              <a:rPr lang="pt-BR" dirty="0" err="1" smtClean="0"/>
+              <a:rPr lang="pt-BR" dirty="0" err="1"/>
               <a:t>Spaghetti</a:t>
             </a:r>
             <a:r>
-              <a:rPr lang="pt-BR" dirty="0" smtClean="0"/>
+              <a:rPr lang="pt-BR" dirty="0"/>
               <a:t>;</a:t>
             </a:r>
           </a:p>
@@ -8138,11 +8070,11 @@
               <a:buChar char="●"/>
             </a:pPr>
             <a:r>
-              <a:rPr lang="pt-BR" dirty="0" err="1" smtClean="0"/>
+              <a:rPr lang="pt-BR" dirty="0" err="1"/>
               <a:t>Penne</a:t>
             </a:r>
             <a:r>
-              <a:rPr lang="pt-BR" dirty="0" smtClean="0"/>
+              <a:rPr lang="pt-BR" dirty="0"/>
               <a:t>;</a:t>
             </a:r>
           </a:p>
@@ -8161,10 +8093,9 @@
               <a:buChar char="●"/>
             </a:pPr>
             <a:r>
-              <a:rPr lang="pt-BR" dirty="0" smtClean="0"/>
+              <a:rPr lang="pt-BR" dirty="0"/>
               <a:t>Talharim;</a:t>
             </a:r>
-            <a:endParaRPr lang="pt-BR" dirty="0"/>
           </a:p>
           <a:p>
             <a:pPr marL="457200" lvl="0" indent="-342900" algn="l" rtl="0">
@@ -8181,11 +8112,11 @@
               <a:buChar char="●"/>
             </a:pPr>
             <a:r>
-              <a:rPr lang="pt-BR" dirty="0" err="1" smtClean="0"/>
+              <a:rPr lang="pt-BR" dirty="0" err="1"/>
               <a:t>Farfalle</a:t>
             </a:r>
             <a:r>
-              <a:rPr lang="pt-BR" dirty="0" smtClean="0"/>
+              <a:rPr lang="pt-BR" dirty="0"/>
               <a:t>;</a:t>
             </a:r>
           </a:p>
@@ -8204,11 +8135,11 @@
               <a:buChar char="●"/>
             </a:pPr>
             <a:r>
-              <a:rPr lang="pt-BR" dirty="0" err="1" smtClean="0"/>
+              <a:rPr lang="pt-BR" dirty="0" err="1"/>
               <a:t>Campanelle</a:t>
             </a:r>
             <a:r>
-              <a:rPr lang="pt-BR" dirty="0" smtClean="0"/>
+              <a:rPr lang="pt-BR" dirty="0"/>
               <a:t>;</a:t>
             </a:r>
           </a:p>
@@ -8227,11 +8158,11 @@
               <a:buChar char="●"/>
             </a:pPr>
             <a:r>
-              <a:rPr lang="pt-BR" dirty="0" err="1" smtClean="0"/>
+              <a:rPr lang="pt-BR" dirty="0" err="1"/>
               <a:t>Bucatini</a:t>
             </a:r>
             <a:r>
-              <a:rPr lang="pt-BR" dirty="0" smtClean="0"/>
+              <a:rPr lang="pt-BR" dirty="0"/>
               <a:t>;</a:t>
             </a:r>
           </a:p>
@@ -8297,7 +8228,7 @@
               <a:buNone/>
             </a:pPr>
             <a:r>
-              <a:rPr lang="pt-BR" dirty="0" smtClean="0"/>
+              <a:rPr lang="pt-BR" dirty="0"/>
               <a:t>Ingredientes adicionais</a:t>
             </a:r>
             <a:endParaRPr dirty="0"/>
@@ -8343,7 +8274,7 @@
               <a:buChar char="●"/>
             </a:pPr>
             <a:r>
-              <a:rPr lang="pt-BR" dirty="0" smtClean="0"/>
+              <a:rPr lang="pt-BR" dirty="0"/>
               <a:t>Calabresa;</a:t>
             </a:r>
           </a:p>
@@ -8362,7 +8293,7 @@
               <a:buChar char="●"/>
             </a:pPr>
             <a:r>
-              <a:rPr lang="pt-BR" dirty="0" smtClean="0"/>
+              <a:rPr lang="pt-BR" dirty="0"/>
               <a:t>Tomate seco;</a:t>
             </a:r>
           </a:p>
@@ -8381,7 +8312,7 @@
               <a:buChar char="●"/>
             </a:pPr>
             <a:r>
-              <a:rPr lang="pt-BR" dirty="0" smtClean="0"/>
+              <a:rPr lang="pt-BR" dirty="0"/>
               <a:t>Mozzarella;</a:t>
             </a:r>
           </a:p>
@@ -8400,7 +8331,7 @@
               <a:buChar char="●"/>
             </a:pPr>
             <a:r>
-              <a:rPr lang="pt-BR" dirty="0" smtClean="0"/>
+              <a:rPr lang="pt-BR" dirty="0"/>
               <a:t>Bacon;</a:t>
             </a:r>
           </a:p>
@@ -8419,7 +8350,7 @@
               <a:buChar char="●"/>
             </a:pPr>
             <a:r>
-              <a:rPr lang="pt-BR" dirty="0" smtClean="0"/>
+              <a:rPr lang="pt-BR" dirty="0"/>
               <a:t>Frango;</a:t>
             </a:r>
           </a:p>
@@ -8438,7 +8369,7 @@
               <a:buChar char="●"/>
             </a:pPr>
             <a:r>
-              <a:rPr lang="pt-BR" dirty="0" smtClean="0"/>
+              <a:rPr lang="pt-BR" dirty="0"/>
               <a:t>Cheiro verde;</a:t>
             </a:r>
           </a:p>
@@ -8485,10 +8416,9 @@
           <a:lstStyle/>
           <a:p>
             <a:r>
-              <a:rPr lang="pt-BR" dirty="0" smtClean="0"/>
+              <a:rPr lang="pt-BR" dirty="0"/>
               <a:t>Possíveis pratos:</a:t>
             </a:r>
-            <a:endParaRPr lang="pt-BR" dirty="0"/>
           </a:p>
         </p:txBody>
       </p:sp>
@@ -8508,38 +8438,34 @@
           <a:lstStyle/>
           <a:p>
             <a:r>
-              <a:rPr lang="pt-BR" dirty="0" err="1" smtClean="0"/>
+              <a:rPr lang="pt-BR" dirty="0" err="1"/>
               <a:t>Penne</a:t>
             </a:r>
             <a:r>
-              <a:rPr lang="pt-BR" dirty="0" smtClean="0"/>
+              <a:rPr lang="pt-BR" dirty="0"/>
               <a:t> + Calabresa + Cheiro verde;</a:t>
             </a:r>
           </a:p>
           <a:p>
             <a:r>
-              <a:rPr lang="pt-BR" dirty="0" err="1" smtClean="0"/>
+              <a:rPr lang="pt-BR" dirty="0" err="1"/>
               <a:t>Spaghetti</a:t>
             </a:r>
             <a:r>
-              <a:rPr lang="pt-BR" dirty="0" smtClean="0"/>
+              <a:rPr lang="pt-BR" dirty="0"/>
               <a:t> + Bacon + Tomates secos;</a:t>
             </a:r>
           </a:p>
           <a:p>
             <a:r>
-              <a:rPr lang="pt-BR" dirty="0" smtClean="0"/>
+              <a:rPr lang="pt-BR" dirty="0"/>
               <a:t>Talharim + Frango + Mozzarella;</a:t>
             </a:r>
           </a:p>
           <a:p>
             <a:r>
-              <a:rPr lang="pt-BR" dirty="0" smtClean="0"/>
-              <a:t>etc</a:t>
-            </a:r>
-            <a:r>
               <a:rPr lang="pt-BR" dirty="0"/>
-              <a:t>.</a:t>
+              <a:t>etc.</a:t>
             </a:r>
           </a:p>
         </p:txBody>
@@ -8590,10 +8516,9 @@
           <a:lstStyle/>
           <a:p>
             <a:r>
-              <a:rPr lang="pt-BR" dirty="0" smtClean="0"/>
-              <a:t>Exemplos</a:t>
+              <a:rPr lang="pt-BR" dirty="0"/>
+              <a:t>UML</a:t>
             </a:r>
-            <a:endParaRPr lang="pt-BR" dirty="0"/>
           </a:p>
         </p:txBody>
       </p:sp>
@@ -8612,32 +8537,34 @@
           <a:bodyPr/>
           <a:lstStyle/>
           <a:p>
-            <a:r>
-              <a:rPr lang="pt-BR" dirty="0" smtClean="0"/>
-              <a:t>Uma classe abstrata “Prato” genérica que serve como base às outras classes:</a:t>
-            </a:r>
-            <a:endParaRPr lang="pt-BR" dirty="0"/>
+            <a:endParaRPr lang="pt-BR"/>
           </a:p>
         </p:txBody>
       </p:sp>
       <p:pic>
         <p:nvPicPr>
-          <p:cNvPr id="6" name="Imagem 5"/>
+          <p:cNvPr id="4" name="Imagem 3"/>
           <p:cNvPicPr>
             <a:picLocks noChangeAspect="1"/>
           </p:cNvPicPr>
           <p:nvPr/>
         </p:nvPicPr>
         <p:blipFill>
-          <a:blip r:embed="rId2"/>
+          <a:blip r:embed="rId2">
+            <a:extLst>
+              <a:ext uri="{28A0092B-C50C-407E-A947-70E740481C1C}">
+                <a14:useLocalDpi xmlns:a14="http://schemas.microsoft.com/office/drawing/2010/main" val="0"/>
+              </a:ext>
+            </a:extLst>
+          </a:blip>
           <a:stretch>
             <a:fillRect/>
           </a:stretch>
         </p:blipFill>
         <p:spPr>
           <a:xfrm>
-            <a:off x="1032800" y="2257425"/>
-            <a:ext cx="6267450" cy="2438400"/>
+            <a:off x="947738" y="1137424"/>
+            <a:ext cx="7825301" cy="3765881"/>
           </a:xfrm>
           <a:prstGeom prst="rect">
             <a:avLst/>
@@ -8647,20 +8574,13 @@
     </p:spTree>
     <p:extLst>
       <p:ext uri="{BB962C8B-B14F-4D97-AF65-F5344CB8AC3E}">
-        <p14:creationId xmlns:p14="http://schemas.microsoft.com/office/powerpoint/2010/main" val="1768394532"/>
+        <p14:creationId xmlns:p14="http://schemas.microsoft.com/office/powerpoint/2010/main" val="2122288844"/>
       </p:ext>
     </p:extLst>
   </p:cSld>
   <p:clrMapOvr>
     <a:masterClrMapping/>
   </p:clrMapOvr>
-  <p:timing>
-    <p:tnLst>
-      <p:par>
-        <p:cTn id="1" dur="indefinite" restart="never" nodeType="tmRoot"/>
-      </p:par>
-    </p:tnLst>
-  </p:timing>
 </p:sld>
 </file>
 
